--- a/Cyclistic_Project_Data Analysis.pptx
+++ b/Cyclistic_Project_Data Analysis.pptx
@@ -211,7 +211,7 @@
             <a:lstStyle/>
             <a:p>
               <a:pPr>
-                <a:defRPr sz="900" b="0" i="0" u="none" strike="noStrike" kern="1200" baseline="0">
+                <a:defRPr lang="en-US" sz="900" b="0" i="0" u="none" strike="noStrike" kern="1200" baseline="0">
                   <a:solidFill>
                     <a:schemeClr val="lt1">
                       <a:lumMod val="85000"/>
@@ -305,7 +305,7 @@
             <a:lstStyle/>
             <a:p>
               <a:pPr>
-                <a:defRPr sz="900" b="0" i="0" u="none" strike="noStrike" kern="1200" baseline="0">
+                <a:defRPr lang="en-US" sz="900" b="0" i="0" u="none" strike="noStrike" kern="1200" baseline="0">
                   <a:solidFill>
                     <a:schemeClr val="lt1">
                       <a:lumMod val="85000"/>
@@ -449,7 +449,7 @@
             <a:lstStyle/>
             <a:p>
               <a:pPr>
-                <a:defRPr sz="900" b="0" i="0" u="none" strike="noStrike" kern="1200" baseline="0">
+                <a:defRPr lang="en-US" sz="900" b="0" i="0" u="none" strike="noStrike" kern="1200" baseline="0">
                   <a:solidFill>
                     <a:schemeClr val="lt1">
                       <a:lumMod val="85000"/>
@@ -543,7 +543,7 @@
             <a:lstStyle/>
             <a:p>
               <a:pPr>
-                <a:defRPr sz="900" b="0" i="0" u="none" strike="noStrike" kern="1200" baseline="0">
+                <a:defRPr lang="en-US" sz="900" b="0" i="0" u="none" strike="noStrike" kern="1200" baseline="0">
                   <a:solidFill>
                     <a:schemeClr val="lt1">
                       <a:lumMod val="85000"/>
@@ -687,7 +687,7 @@
             <a:lstStyle/>
             <a:p>
               <a:pPr>
-                <a:defRPr sz="900" b="0" i="0" u="none" strike="noStrike" kern="1200" baseline="0">
+                <a:defRPr lang="en-US" sz="900" b="0" i="0" u="none" strike="noStrike" kern="1200" baseline="0">
                   <a:solidFill>
                     <a:schemeClr val="lt1">
                       <a:lumMod val="85000"/>
@@ -758,7 +758,7 @@
             <a:lstStyle/>
             <a:p>
               <a:pPr>
-                <a:defRPr sz="900" b="0" i="0" u="none" strike="noStrike" kern="1200" baseline="0">
+                <a:defRPr lang="en-US" sz="900" b="0" i="0" u="none" strike="noStrike" kern="1200" baseline="0">
                   <a:solidFill>
                     <a:schemeClr val="lt1">
                       <a:lumMod val="85000"/>
@@ -856,7 +856,7 @@
             <a:lstStyle/>
             <a:p>
               <a:pPr>
-                <a:defRPr sz="900" b="0" i="0" u="none" strike="noStrike" kern="1200" baseline="0">
+                <a:defRPr lang="en-US" sz="900" b="0" i="0" u="none" strike="noStrike" kern="1200" baseline="0">
                   <a:solidFill>
                     <a:schemeClr val="lt1">
                       <a:lumMod val="85000"/>
@@ -950,7 +950,7 @@
             <a:lstStyle/>
             <a:p>
               <a:pPr>
-                <a:defRPr sz="900" b="0" i="0" u="none" strike="noStrike" kern="1200" baseline="0">
+                <a:defRPr lang="en-US" sz="900" b="0" i="0" u="none" strike="noStrike" kern="1200" baseline="0">
                   <a:solidFill>
                     <a:schemeClr val="lt1">
                       <a:lumMod val="85000"/>
@@ -1021,7 +1021,7 @@
             <a:lstStyle/>
             <a:p>
               <a:pPr>
-                <a:defRPr sz="900" b="0" i="0" u="none" strike="noStrike" kern="1200" baseline="0">
+                <a:defRPr lang="en-US" sz="900" b="0" i="0" u="none" strike="noStrike" kern="1200" baseline="0">
                   <a:solidFill>
                     <a:schemeClr val="lt1">
                       <a:lumMod val="85000"/>
@@ -1119,7 +1119,7 @@
             <a:lstStyle/>
             <a:p>
               <a:pPr>
-                <a:defRPr sz="900" b="0" i="0" u="none" strike="noStrike" kern="1200" baseline="0">
+                <a:defRPr lang="en-US" sz="900" b="0" i="0" u="none" strike="noStrike" kern="1200" baseline="0">
                   <a:solidFill>
                     <a:schemeClr val="lt1">
                       <a:lumMod val="85000"/>
@@ -1190,7 +1190,7 @@
             <a:lstStyle/>
             <a:p>
               <a:pPr>
-                <a:defRPr sz="900" b="0" i="0" u="none" strike="noStrike" kern="1200" baseline="0">
+                <a:defRPr lang="en-US" sz="900" b="0" i="0" u="none" strike="noStrike" kern="1200" baseline="0">
                   <a:solidFill>
                     <a:schemeClr val="lt1">
                       <a:lumMod val="85000"/>
@@ -1288,7 +1288,7 @@
             <a:lstStyle/>
             <a:p>
               <a:pPr>
-                <a:defRPr sz="900" b="0" i="0" u="none" strike="noStrike" kern="1200" baseline="0">
+                <a:defRPr lang="en-US" sz="900" b="0" i="0" u="none" strike="noStrike" kern="1200" baseline="0">
                   <a:solidFill>
                     <a:schemeClr val="lt1">
                       <a:lumMod val="85000"/>
@@ -1413,17 +1413,13 @@
               <a:effectLst/>
             </c:spPr>
             <c:txPr>
-              <a:bodyPr rot="0" spcFirstLastPara="1" vertOverflow="ellipsis" vert="horz" wrap="square" lIns="38100" tIns="19050" rIns="38100" bIns="19050" anchor="ctr" anchorCtr="1">
-                <a:spAutoFit/>
-              </a:bodyPr>
+              <a:bodyPr rot="0" spcFirstLastPara="1" vertOverflow="ellipsis" vert="horz" wrap="square" anchor="ctr" anchorCtr="0"/>
               <a:lstStyle/>
               <a:p>
-                <a:pPr>
-                  <a:defRPr sz="1100" b="1" i="0" u="none" strike="noStrike" kern="1200" baseline="0">
+                <a:pPr algn="ctr">
+                  <a:defRPr lang="en-US" sz="1200" b="0" i="0" u="none" strike="noStrike" kern="1200" baseline="0">
                     <a:solidFill>
-                      <a:schemeClr val="lt1">
-                        <a:lumMod val="85000"/>
-                      </a:schemeClr>
+                      <a:schemeClr val="tx1"/>
                     </a:solidFill>
                     <a:latin typeface="+mn-lt"/>
                     <a:ea typeface="+mn-ea"/>
@@ -1573,17 +1569,13 @@
               <a:effectLst/>
             </c:spPr>
             <c:txPr>
-              <a:bodyPr rot="0" spcFirstLastPara="1" vertOverflow="ellipsis" vert="horz" wrap="square" lIns="38100" tIns="19050" rIns="38100" bIns="19050" anchor="ctr" anchorCtr="1">
-                <a:spAutoFit/>
-              </a:bodyPr>
+              <a:bodyPr rot="0" spcFirstLastPara="1" vertOverflow="ellipsis" vert="horz" wrap="square" anchor="ctr" anchorCtr="0"/>
               <a:lstStyle/>
               <a:p>
-                <a:pPr>
-                  <a:defRPr sz="1000" b="1" i="0" u="none" strike="noStrike" kern="1200" baseline="0">
+                <a:pPr algn="ctr">
+                  <a:defRPr lang="en-US" sz="1200" b="0" i="0" u="none" strike="noStrike" kern="1200" baseline="0">
                     <a:solidFill>
-                      <a:schemeClr val="lt1">
-                        <a:lumMod val="85000"/>
-                      </a:schemeClr>
+                      <a:schemeClr val="tx1"/>
                     </a:solidFill>
                     <a:latin typeface="+mn-lt"/>
                     <a:ea typeface="+mn-ea"/>
@@ -1712,12 +1704,10 @@
               <a:bodyPr rot="0" spcFirstLastPara="1" vertOverflow="ellipsis" vert="horz" wrap="square" anchor="ctr" anchorCtr="1"/>
               <a:lstStyle/>
               <a:p>
-                <a:pPr>
-                  <a:defRPr sz="1200" b="1" i="0" u="none" strike="noStrike" kern="1200" cap="all" baseline="0">
+                <a:pPr algn="ctr">
+                  <a:defRPr lang="en-IN" sz="1200" b="0" i="0" u="none" strike="noStrike" kern="1200" cap="all" baseline="0">
                     <a:solidFill>
-                      <a:schemeClr val="lt1">
-                        <a:lumMod val="85000"/>
-                      </a:schemeClr>
+                      <a:schemeClr val="tx1"/>
                     </a:solidFill>
                     <a:latin typeface="+mn-lt"/>
                     <a:ea typeface="+mn-ea"/>
@@ -1725,14 +1715,16 @@
                   </a:defRPr>
                 </a:pPr>
                 <a:r>
-                  <a:rPr lang="en-IN" sz="1200"/>
-                  <a:t>Days</a:t>
+                  <a:rPr lang="en-IN" sz="1200" b="0" i="0" u="none" strike="noStrike" kern="1200" baseline="0">
+                    <a:solidFill>
+                      <a:schemeClr val="tx1"/>
+                    </a:solidFill>
+                    <a:latin typeface="+mn-lt"/>
+                    <a:ea typeface="+mn-ea"/>
+                    <a:cs typeface="+mn-cs"/>
+                  </a:rPr>
+                  <a:t>Days of weeks</a:t>
                 </a:r>
-                <a:r>
-                  <a:rPr lang="en-IN" sz="1200" baseline="0"/>
-                  <a:t> of weeks</a:t>
-                </a:r>
-                <a:endParaRPr lang="en-IN" sz="1200"/>
               </a:p>
             </c:rich>
           </c:tx>
@@ -1748,12 +1740,10 @@
             <a:bodyPr rot="0" spcFirstLastPara="1" vertOverflow="ellipsis" vert="horz" wrap="square" anchor="ctr" anchorCtr="1"/>
             <a:lstStyle/>
             <a:p>
-              <a:pPr>
-                <a:defRPr sz="1200" b="1" i="0" u="none" strike="noStrike" kern="1200" cap="all" baseline="0">
+              <a:pPr algn="ctr">
+                <a:defRPr lang="en-IN" sz="1200" b="0" i="0" u="none" strike="noStrike" kern="1200" cap="all" baseline="0">
                   <a:solidFill>
-                    <a:schemeClr val="lt1">
-                      <a:lumMod val="85000"/>
-                    </a:schemeClr>
+                    <a:schemeClr val="tx1"/>
                   </a:solidFill>
                   <a:latin typeface="+mn-lt"/>
                   <a:ea typeface="+mn-ea"/>
@@ -1785,12 +1775,10 @@
           <a:bodyPr rot="-60000000" spcFirstLastPara="1" vertOverflow="ellipsis" vert="horz" wrap="square" anchor="ctr" anchorCtr="1"/>
           <a:lstStyle/>
           <a:p>
-            <a:pPr>
-              <a:defRPr sz="900" b="0" i="0" u="none" strike="noStrike" kern="1200" baseline="0">
+            <a:pPr algn="ctr">
+              <a:defRPr lang="en-US" sz="1200" b="0" i="0" u="none" strike="noStrike" kern="1200" baseline="0">
                 <a:solidFill>
-                  <a:schemeClr val="lt1">
-                    <a:lumMod val="85000"/>
-                  </a:schemeClr>
+                  <a:schemeClr val="tx1"/>
                 </a:solidFill>
                 <a:latin typeface="+mn-lt"/>
                 <a:ea typeface="+mn-ea"/>
@@ -1834,12 +1822,10 @@
               <a:bodyPr rot="-5400000" spcFirstLastPara="1" vertOverflow="ellipsis" vert="horz" wrap="square" anchor="ctr" anchorCtr="1"/>
               <a:lstStyle/>
               <a:p>
-                <a:pPr>
-                  <a:defRPr sz="1200" b="1" i="0" u="none" strike="noStrike" kern="1200" cap="all" baseline="0">
+                <a:pPr algn="ctr">
+                  <a:defRPr lang="en-IN" sz="1200" b="0" i="0" u="none" strike="noStrike" kern="1200" cap="all" baseline="0">
                     <a:solidFill>
-                      <a:schemeClr val="lt1">
-                        <a:lumMod val="85000"/>
-                      </a:schemeClr>
+                      <a:schemeClr val="tx1"/>
                     </a:solidFill>
                     <a:latin typeface="+mn-lt"/>
                     <a:ea typeface="+mn-ea"/>
@@ -1847,14 +1833,16 @@
                   </a:defRPr>
                 </a:pPr>
                 <a:r>
-                  <a:rPr lang="en-IN" sz="1200" dirty="0"/>
-                  <a:t>count</a:t>
+                  <a:rPr lang="en-IN" sz="1200" b="0" i="0" u="none" strike="noStrike" kern="1200" baseline="0">
+                    <a:solidFill>
+                      <a:schemeClr val="tx1"/>
+                    </a:solidFill>
+                    <a:latin typeface="+mn-lt"/>
+                    <a:ea typeface="+mn-ea"/>
+                    <a:cs typeface="+mn-cs"/>
+                  </a:rPr>
+                  <a:t>count of rides</a:t>
                 </a:r>
-                <a:r>
-                  <a:rPr lang="en-IN" sz="1200" baseline="0" dirty="0"/>
-                  <a:t> of rides</a:t>
-                </a:r>
-                <a:endParaRPr lang="en-IN" sz="1200" dirty="0"/>
               </a:p>
             </c:rich>
           </c:tx>
@@ -1878,12 +1866,10 @@
             <a:bodyPr rot="-5400000" spcFirstLastPara="1" vertOverflow="ellipsis" vert="horz" wrap="square" anchor="ctr" anchorCtr="1"/>
             <a:lstStyle/>
             <a:p>
-              <a:pPr>
-                <a:defRPr sz="1200" b="1" i="0" u="none" strike="noStrike" kern="1200" cap="all" baseline="0">
+              <a:pPr algn="ctr">
+                <a:defRPr lang="en-IN" sz="1200" b="0" i="0" u="none" strike="noStrike" kern="1200" cap="all" baseline="0">
                   <a:solidFill>
-                    <a:schemeClr val="lt1">
-                      <a:lumMod val="85000"/>
-                    </a:schemeClr>
+                    <a:schemeClr val="tx1"/>
                   </a:solidFill>
                   <a:latin typeface="+mn-lt"/>
                   <a:ea typeface="+mn-ea"/>
@@ -1910,11 +1896,9 @@
           <a:lstStyle/>
           <a:p>
             <a:pPr>
-              <a:defRPr sz="1200" b="1" i="0" u="none" strike="noStrike" kern="1200" baseline="0">
+              <a:defRPr lang="en-US" sz="1200" b="0" i="0" u="none" strike="noStrike" kern="1200" baseline="0">
                 <a:solidFill>
-                  <a:schemeClr val="lt1">
-                    <a:lumMod val="85000"/>
-                  </a:schemeClr>
+                  <a:schemeClr val="tx1"/>
                 </a:solidFill>
                 <a:latin typeface="+mn-lt"/>
                 <a:ea typeface="+mn-ea"/>
@@ -1960,12 +1944,10 @@
         <a:bodyPr rot="0" spcFirstLastPara="1" vertOverflow="ellipsis" vert="horz" wrap="square" anchor="ctr" anchorCtr="1"/>
         <a:lstStyle/>
         <a:p>
-          <a:pPr>
-            <a:defRPr sz="1400" b="1" i="0" u="none" strike="noStrike" kern="1200" baseline="0">
+          <a:pPr algn="ctr">
+            <a:defRPr lang="en-US" sz="1400" b="0" i="0" u="none" strike="noStrike" kern="1200" baseline="0">
               <a:solidFill>
-                <a:schemeClr val="lt1">
-                  <a:lumMod val="85000"/>
-                </a:schemeClr>
+                <a:schemeClr val="tx1"/>
               </a:solidFill>
               <a:latin typeface="+mn-lt"/>
               <a:ea typeface="+mn-ea"/>
@@ -1999,7 +1981,14 @@
     <a:lstStyle/>
     <a:p>
       <a:pPr>
-        <a:defRPr/>
+        <a:defRPr lang="en-US" sz="1000" b="0" i="0" u="none" strike="noStrike" kern="1200" baseline="0">
+          <a:solidFill>
+            <a:schemeClr val="dk1"/>
+          </a:solidFill>
+          <a:latin typeface="+mn-lt"/>
+          <a:ea typeface="+mn-ea"/>
+          <a:cs typeface="+mn-cs"/>
+        </a:defRPr>
       </a:pPr>
       <a:endParaRPr lang="en-US"/>
     </a:p>
@@ -3749,10 +3738,10 @@
   <cdr:relSizeAnchor xmlns:cdr="http://schemas.openxmlformats.org/drawingml/2006/chartDrawing">
     <cdr:from>
       <cdr:x>0.24068</cdr:x>
-      <cdr:y>0.86722</cdr:y>
+      <cdr:y>0.84524</cdr:y>
     </cdr:from>
     <cdr:to>
-      <cdr:x>0.25932</cdr:x>
+      <cdr:x>0.26087</cdr:x>
       <cdr:y>0.9478</cdr:y>
     </cdr:to>
     <cdr:cxnSp macro="">
@@ -3768,25 +3757,28 @@
       </cdr:nvCxnSpPr>
       <cdr:spPr>
         <a:xfrm xmlns:a="http://schemas.openxmlformats.org/drawingml/2006/main" rot="5400000">
-          <a:off x="2054088" y="3137451"/>
-          <a:ext cx="159027" cy="291550"/>
+          <a:off x="1954687" y="3157312"/>
+          <a:ext cx="371053" cy="172307"/>
         </a:xfrm>
         <a:prstGeom xmlns:a="http://schemas.openxmlformats.org/drawingml/2006/main" prst="curvedConnector3">
           <a:avLst/>
         </a:prstGeom>
         <a:ln xmlns:a="http://schemas.openxmlformats.org/drawingml/2006/main">
+          <a:solidFill>
+            <a:srgbClr val="FFFF00"/>
+          </a:solidFill>
           <a:tailEnd type="triangle"/>
         </a:ln>
       </cdr:spPr>
       <cdr:style>
-        <a:lnRef xmlns:a="http://schemas.openxmlformats.org/drawingml/2006/main" idx="1">
-          <a:schemeClr val="accent1"/>
+        <a:lnRef xmlns:a="http://schemas.openxmlformats.org/drawingml/2006/main" idx="3">
+          <a:schemeClr val="accent5"/>
         </a:lnRef>
         <a:fillRef xmlns:a="http://schemas.openxmlformats.org/drawingml/2006/main" idx="0">
-          <a:schemeClr val="accent1"/>
+          <a:schemeClr val="accent5"/>
         </a:fillRef>
-        <a:effectRef xmlns:a="http://schemas.openxmlformats.org/drawingml/2006/main" idx="0">
-          <a:schemeClr val="accent1"/>
+        <a:effectRef xmlns:a="http://schemas.openxmlformats.org/drawingml/2006/main" idx="2">
+          <a:schemeClr val="accent5"/>
         </a:effectRef>
         <a:fontRef xmlns:a="http://schemas.openxmlformats.org/drawingml/2006/main" idx="minor">
           <a:schemeClr val="tx1"/>
@@ -3825,18 +3817,21 @@
           </a:avLst>
         </a:prstGeom>
         <a:ln xmlns:a="http://schemas.openxmlformats.org/drawingml/2006/main">
+          <a:solidFill>
+            <a:srgbClr val="FFFF00"/>
+          </a:solidFill>
           <a:tailEnd type="triangle"/>
         </a:ln>
       </cdr:spPr>
       <cdr:style>
-        <a:lnRef xmlns:a="http://schemas.openxmlformats.org/drawingml/2006/main" idx="1">
-          <a:schemeClr val="accent1"/>
+        <a:lnRef xmlns:a="http://schemas.openxmlformats.org/drawingml/2006/main" idx="3">
+          <a:schemeClr val="accent5"/>
         </a:lnRef>
         <a:fillRef xmlns:a="http://schemas.openxmlformats.org/drawingml/2006/main" idx="0">
-          <a:schemeClr val="accent1"/>
+          <a:schemeClr val="accent5"/>
         </a:fillRef>
-        <a:effectRef xmlns:a="http://schemas.openxmlformats.org/drawingml/2006/main" idx="0">
-          <a:schemeClr val="accent1"/>
+        <a:effectRef xmlns:a="http://schemas.openxmlformats.org/drawingml/2006/main" idx="2">
+          <a:schemeClr val="accent5"/>
         </a:effectRef>
         <a:fontRef xmlns:a="http://schemas.openxmlformats.org/drawingml/2006/main" idx="minor">
           <a:schemeClr val="tx1"/>
@@ -3980,7 +3975,7 @@
           <a:p>
             <a:fld id="{48A87A34-81AB-432B-8DAE-1953F412C126}" type="datetimeFigureOut">
               <a:rPr lang="en-US" dirty="0"/>
-              <a:t>10/2/2022</a:t>
+              <a:t>10/6/2022</a:t>
             </a:fld>
             <a:endParaRPr lang="en-US" dirty="0"/>
           </a:p>
@@ -4262,7 +4257,7 @@
           <a:p>
             <a:fld id="{48A87A34-81AB-432B-8DAE-1953F412C126}" type="datetimeFigureOut">
               <a:rPr lang="en-US" dirty="0"/>
-              <a:t>10/2/2022</a:t>
+              <a:t>10/6/2022</a:t>
             </a:fld>
             <a:endParaRPr lang="en-US" dirty="0"/>
           </a:p>
@@ -4449,7 +4444,7 @@
           <a:p>
             <a:fld id="{48A87A34-81AB-432B-8DAE-1953F412C126}" type="datetimeFigureOut">
               <a:rPr lang="en-US" dirty="0"/>
-              <a:t>10/2/2022</a:t>
+              <a:t>10/6/2022</a:t>
             </a:fld>
             <a:endParaRPr lang="en-US" dirty="0"/>
           </a:p>
@@ -4705,7 +4700,7 @@
           <a:p>
             <a:fld id="{48A87A34-81AB-432B-8DAE-1953F412C126}" type="datetimeFigureOut">
               <a:rPr lang="en-US" dirty="0"/>
-              <a:t>10/2/2022</a:t>
+              <a:t>10/6/2022</a:t>
             </a:fld>
             <a:endParaRPr lang="en-US" dirty="0"/>
           </a:p>
@@ -5124,7 +5119,7 @@
           <a:p>
             <a:fld id="{48A87A34-81AB-432B-8DAE-1953F412C126}" type="datetimeFigureOut">
               <a:rPr lang="en-US" dirty="0"/>
-              <a:t>10/2/2022</a:t>
+              <a:t>10/6/2022</a:t>
             </a:fld>
             <a:endParaRPr lang="en-US" dirty="0"/>
           </a:p>
@@ -5665,7 +5660,7 @@
           <a:p>
             <a:fld id="{48A87A34-81AB-432B-8DAE-1953F412C126}" type="datetimeFigureOut">
               <a:rPr lang="en-US" dirty="0"/>
-              <a:t>10/2/2022</a:t>
+              <a:t>10/6/2022</a:t>
             </a:fld>
             <a:endParaRPr lang="en-US" dirty="0"/>
           </a:p>
@@ -6500,7 +6495,7 @@
           <a:p>
             <a:fld id="{48A87A34-81AB-432B-8DAE-1953F412C126}" type="datetimeFigureOut">
               <a:rPr lang="en-US" dirty="0"/>
-              <a:t>10/2/2022</a:t>
+              <a:t>10/6/2022</a:t>
             </a:fld>
             <a:endParaRPr lang="en-US" dirty="0"/>
           </a:p>
@@ -6665,7 +6660,7 @@
           <a:p>
             <a:fld id="{48A87A34-81AB-432B-8DAE-1953F412C126}" type="datetimeFigureOut">
               <a:rPr lang="en-US" dirty="0"/>
-              <a:t>10/2/2022</a:t>
+              <a:t>10/6/2022</a:t>
             </a:fld>
             <a:endParaRPr lang="en-US" dirty="0"/>
           </a:p>
@@ -6844,7 +6839,7 @@
           <a:p>
             <a:fld id="{48A87A34-81AB-432B-8DAE-1953F412C126}" type="datetimeFigureOut">
               <a:rPr lang="en-US" dirty="0"/>
-              <a:t>10/2/2022</a:t>
+              <a:t>10/6/2022</a:t>
             </a:fld>
             <a:endParaRPr lang="en-US" dirty="0"/>
           </a:p>
@@ -7009,7 +7004,7 @@
           <a:p>
             <a:fld id="{48A87A34-81AB-432B-8DAE-1953F412C126}" type="datetimeFigureOut">
               <a:rPr lang="en-US" dirty="0"/>
-              <a:t>10/2/2022</a:t>
+              <a:t>10/6/2022</a:t>
             </a:fld>
             <a:endParaRPr lang="en-US" dirty="0"/>
           </a:p>
@@ -7252,7 +7247,7 @@
           <a:p>
             <a:fld id="{48A87A34-81AB-432B-8DAE-1953F412C126}" type="datetimeFigureOut">
               <a:rPr lang="en-US" dirty="0"/>
-              <a:t>10/2/2022</a:t>
+              <a:t>10/6/2022</a:t>
             </a:fld>
             <a:endParaRPr lang="en-US" dirty="0"/>
           </a:p>
@@ -7484,7 +7479,7 @@
           <a:p>
             <a:fld id="{48A87A34-81AB-432B-8DAE-1953F412C126}" type="datetimeFigureOut">
               <a:rPr lang="en-US" dirty="0"/>
-              <a:t>10/2/2022</a:t>
+              <a:t>10/6/2022</a:t>
             </a:fld>
             <a:endParaRPr lang="en-US" dirty="0"/>
           </a:p>
@@ -7852,7 +7847,7 @@
           <a:p>
             <a:fld id="{48A87A34-81AB-432B-8DAE-1953F412C126}" type="datetimeFigureOut">
               <a:rPr lang="en-US" dirty="0"/>
-              <a:t>10/2/2022</a:t>
+              <a:t>10/6/2022</a:t>
             </a:fld>
             <a:endParaRPr lang="en-US" dirty="0"/>
           </a:p>
@@ -7965,7 +7960,7 @@
           <a:p>
             <a:fld id="{48A87A34-81AB-432B-8DAE-1953F412C126}" type="datetimeFigureOut">
               <a:rPr lang="en-US" dirty="0"/>
-              <a:t>10/2/2022</a:t>
+              <a:t>10/6/2022</a:t>
             </a:fld>
             <a:endParaRPr lang="en-US" dirty="0"/>
           </a:p>
@@ -8055,7 +8050,7 @@
           <a:p>
             <a:fld id="{48A87A34-81AB-432B-8DAE-1953F412C126}" type="datetimeFigureOut">
               <a:rPr lang="en-US" dirty="0"/>
-              <a:t>10/2/2022</a:t>
+              <a:t>10/6/2022</a:t>
             </a:fld>
             <a:endParaRPr lang="en-US" dirty="0"/>
           </a:p>
@@ -8301,7 +8296,7 @@
           <a:p>
             <a:fld id="{48A87A34-81AB-432B-8DAE-1953F412C126}" type="datetimeFigureOut">
               <a:rPr lang="en-US" dirty="0"/>
-              <a:t>10/2/2022</a:t>
+              <a:t>10/6/2022</a:t>
             </a:fld>
             <a:endParaRPr lang="en-US" dirty="0"/>
           </a:p>
@@ -8583,7 +8578,7 @@
           <a:p>
             <a:fld id="{48A87A34-81AB-432B-8DAE-1953F412C126}" type="datetimeFigureOut">
               <a:rPr lang="en-US" dirty="0"/>
-              <a:t>10/2/2022</a:t>
+              <a:t>10/6/2022</a:t>
             </a:fld>
             <a:endParaRPr lang="en-US" dirty="0"/>
           </a:p>
@@ -8792,7 +8787,7 @@
             <a:fld id="{48A87A34-81AB-432B-8DAE-1953F412C126}" type="datetimeFigureOut">
               <a:rPr lang="en-US" dirty="0"/>
               <a:pPr/>
-              <a:t>10/2/2022</a:t>
+              <a:t>10/6/2022</a:t>
             </a:fld>
             <a:endParaRPr lang="en-US" dirty="0"/>
           </a:p>
@@ -10752,14 +10747,14 @@
             <p:ph idx="1"/>
             <p:extLst>
               <p:ext uri="{D42A27DB-BD31-4B8C-83A1-F6EECF244321}">
-                <p14:modId xmlns:p14="http://schemas.microsoft.com/office/powerpoint/2010/main" val="2430624275"/>
+                <p14:modId xmlns:p14="http://schemas.microsoft.com/office/powerpoint/2010/main" val="162577980"/>
               </p:ext>
             </p:extLst>
           </p:nvPr>
         </p:nvGraphicFramePr>
         <p:xfrm>
           <a:off x="1272208" y="1620078"/>
-          <a:ext cx="8534400" cy="3617843"/>
+          <a:ext cx="9090992" cy="4462670"/>
         </p:xfrm>
         <a:graphic>
           <a:graphicData uri="http://schemas.openxmlformats.org/drawingml/2006/chart">
@@ -10781,7 +10776,7 @@
         </p:nvSpPr>
         <p:spPr>
           <a:xfrm>
-            <a:off x="2782655" y="5053255"/>
+            <a:off x="2941681" y="5879068"/>
             <a:ext cx="1338772" cy="369332"/>
           </a:xfrm>
           <a:prstGeom prst="rect">
@@ -10825,7 +10820,7 @@
         </p:nvSpPr>
         <p:spPr>
           <a:xfrm>
-            <a:off x="8388624" y="5145588"/>
+            <a:off x="8931513" y="5743234"/>
             <a:ext cx="1338771" cy="369332"/>
           </a:xfrm>
           <a:prstGeom prst="rect">

--- a/Cyclistic_Project_Data Analysis.pptx
+++ b/Cyclistic_Project_Data Analysis.pptx
@@ -9543,12 +9543,17 @@
             </a:r>
             <a:r>
               <a:rPr lang="en-IN" dirty="0"/>
-              <a:t> conclusively </a:t>
-            </a:r>
-            <a:r>
-              <a:rPr lang="en-IN" sz="2800" b="1" dirty="0"/>
-              <a:t>why</a:t>
-            </a:r>
+              <a:t> </a:t>
+            </a:r>
+            <a:r>
+              <a:rPr lang="en-IN"/>
+              <a:t>conclusively </a:t>
+            </a:r>
+            <a:r>
+              <a:rPr lang="en-IN" sz="2800" b="1"/>
+              <a:t>why?</a:t>
+            </a:r>
+            <a:endParaRPr lang="en-IN" sz="2800" b="1" dirty="0"/>
           </a:p>
           <a:p>
             <a:pPr>

--- a/Cyclistic_Project_Data Analysis.pptx
+++ b/Cyclistic_Project_Data Analysis.pptx
@@ -10419,7 +10419,7 @@
                   <a:srgbClr val="FF0000"/>
                 </a:solidFill>
               </a:rPr>
-              <a:t>annual member</a:t>
+              <a:t>annual member </a:t>
             </a:r>
             <a:r>
               <a:rPr lang="en-IN" sz="2400" dirty="0"/>
